--- a/Z_Decision Tree.pptx
+++ b/Z_Decision Tree.pptx
@@ -5,16 +5,17 @@
     <p:sldMasterId id="2147483648" r:id="rId1"/>
   </p:sldMasterIdLst>
   <p:notesMasterIdLst>
-    <p:notesMasterId r:id="rId6"/>
+    <p:notesMasterId r:id="rId7"/>
   </p:notesMasterIdLst>
   <p:handoutMasterIdLst>
-    <p:handoutMasterId r:id="rId7"/>
+    <p:handoutMasterId r:id="rId8"/>
   </p:handoutMasterIdLst>
   <p:sldIdLst>
     <p:sldId id="915" r:id="rId2"/>
     <p:sldId id="916" r:id="rId3"/>
     <p:sldId id="917" r:id="rId4"/>
     <p:sldId id="918" r:id="rId5"/>
+    <p:sldId id="919" r:id="rId6"/>
   </p:sldIdLst>
   <p:sldSz cx="9144000" cy="6858000" type="screen4x3"/>
   <p:notesSz cx="6797675" cy="9928225"/>
@@ -154,7 +155,7 @@
 <file path=ppt/revisionInfo.xml><?xml version="1.0" encoding="utf-8"?>
 <p1510:revInfo xmlns:a="http://schemas.openxmlformats.org/drawingml/2006/main" xmlns:r="http://schemas.openxmlformats.org/officeDocument/2006/relationships" xmlns:p1510="http://schemas.microsoft.com/office/powerpoint/2015/10/main">
   <p1510:revLst>
-    <p1510:client id="{758DCD6B-17B3-4BFA-89D6-63E62C1C193D}" v="9" dt="2021-11-22T08:22:14.095"/>
+    <p1510:client id="{758DCD6B-17B3-4BFA-89D6-63E62C1C193D}" v="20" dt="2021-11-30T16:18:25.167"/>
   </p1510:revLst>
 </p1510:revInfo>
 </file>
@@ -3271,8 +3272,8 @@
   </pc:docChgLst>
   <pc:docChgLst>
     <pc:chgData name="Dieter" userId="d97562fd-b189-437e-b91d-de7b81e9769e" providerId="ADAL" clId="{758DCD6B-17B3-4BFA-89D6-63E62C1C193D}"/>
-    <pc:docChg chg="custSel modSld">
-      <pc:chgData name="Dieter" userId="d97562fd-b189-437e-b91d-de7b81e9769e" providerId="ADAL" clId="{758DCD6B-17B3-4BFA-89D6-63E62C1C193D}" dt="2021-11-22T08:39:57.978" v="180" actId="20577"/>
+    <pc:docChg chg="custSel addSld modSld">
+      <pc:chgData name="Dieter" userId="d97562fd-b189-437e-b91d-de7b81e9769e" providerId="ADAL" clId="{758DCD6B-17B3-4BFA-89D6-63E62C1C193D}" dt="2021-11-30T16:28:54.121" v="243" actId="1076"/>
       <pc:docMkLst>
         <pc:docMk/>
       </pc:docMkLst>
@@ -3775,6 +3776,317 @@
           <ac:cxnSpMkLst>
             <pc:docMk/>
             <pc:sldMk cId="2696480870" sldId="916"/>
+            <ac:cxnSpMk id="100" creationId="{80D105F7-73FD-4A3E-9717-3071F1A8F549}"/>
+          </ac:cxnSpMkLst>
+        </pc:cxnChg>
+      </pc:sldChg>
+      <pc:sldChg chg="addSp delSp modSp add mod">
+        <pc:chgData name="Dieter" userId="d97562fd-b189-437e-b91d-de7b81e9769e" providerId="ADAL" clId="{758DCD6B-17B3-4BFA-89D6-63E62C1C193D}" dt="2021-11-30T16:28:54.121" v="243" actId="1076"/>
+        <pc:sldMkLst>
+          <pc:docMk/>
+          <pc:sldMk cId="756951051" sldId="919"/>
+        </pc:sldMkLst>
+        <pc:spChg chg="del">
+          <ac:chgData name="Dieter" userId="d97562fd-b189-437e-b91d-de7b81e9769e" providerId="ADAL" clId="{758DCD6B-17B3-4BFA-89D6-63E62C1C193D}" dt="2021-11-30T16:16:02.820" v="182" actId="478"/>
+          <ac:spMkLst>
+            <pc:docMk/>
+            <pc:sldMk cId="756951051" sldId="919"/>
+            <ac:spMk id="2" creationId="{0BBCFBCC-4B86-4EC9-92AC-592C56BD9A39}"/>
+          </ac:spMkLst>
+        </pc:spChg>
+        <pc:spChg chg="mod">
+          <ac:chgData name="Dieter" userId="d97562fd-b189-437e-b91d-de7b81e9769e" providerId="ADAL" clId="{758DCD6B-17B3-4BFA-89D6-63E62C1C193D}" dt="2021-11-30T16:16:16.971" v="205" actId="20577"/>
+          <ac:spMkLst>
+            <pc:docMk/>
+            <pc:sldMk cId="756951051" sldId="919"/>
+            <ac:spMk id="4" creationId="{B19FB078-A2E6-42C9-A05C-14AF628106A0}"/>
+          </ac:spMkLst>
+        </pc:spChg>
+        <pc:spChg chg="add mod">
+          <ac:chgData name="Dieter" userId="d97562fd-b189-437e-b91d-de7b81e9769e" providerId="ADAL" clId="{758DCD6B-17B3-4BFA-89D6-63E62C1C193D}" dt="2021-11-30T16:28:20.980" v="236" actId="207"/>
+          <ac:spMkLst>
+            <pc:docMk/>
+            <pc:sldMk cId="756951051" sldId="919"/>
+            <ac:spMk id="9" creationId="{A4287284-2FA9-421E-8F19-2A96DBBE9398}"/>
+          </ac:spMkLst>
+        </pc:spChg>
+        <pc:spChg chg="add mod">
+          <ac:chgData name="Dieter" userId="d97562fd-b189-437e-b91d-de7b81e9769e" providerId="ADAL" clId="{758DCD6B-17B3-4BFA-89D6-63E62C1C193D}" dt="2021-11-30T16:28:54.121" v="243" actId="1076"/>
+          <ac:spMkLst>
+            <pc:docMk/>
+            <pc:sldMk cId="756951051" sldId="919"/>
+            <ac:spMk id="12" creationId="{3B190D62-036A-4362-9DBA-AD634DA1C264}"/>
+          </ac:spMkLst>
+        </pc:spChg>
+        <pc:spChg chg="del">
+          <ac:chgData name="Dieter" userId="d97562fd-b189-437e-b91d-de7b81e9769e" providerId="ADAL" clId="{758DCD6B-17B3-4BFA-89D6-63E62C1C193D}" dt="2021-11-30T16:16:02.820" v="182" actId="478"/>
+          <ac:spMkLst>
+            <pc:docMk/>
+            <pc:sldMk cId="756951051" sldId="919"/>
+            <ac:spMk id="22" creationId="{65693DF7-DD10-4FAE-9852-41AAD31D6D10}"/>
+          </ac:spMkLst>
+        </pc:spChg>
+        <pc:spChg chg="add mod">
+          <ac:chgData name="Dieter" userId="d97562fd-b189-437e-b91d-de7b81e9769e" providerId="ADAL" clId="{758DCD6B-17B3-4BFA-89D6-63E62C1C193D}" dt="2021-11-30T16:16:47.080" v="213" actId="1076"/>
+          <ac:spMkLst>
+            <pc:docMk/>
+            <pc:sldMk cId="756951051" sldId="919"/>
+            <ac:spMk id="35" creationId="{ED3114C3-07E2-4445-BB43-4E6CFD21CCFD}"/>
+          </ac:spMkLst>
+        </pc:spChg>
+        <pc:spChg chg="add mod">
+          <ac:chgData name="Dieter" userId="d97562fd-b189-437e-b91d-de7b81e9769e" providerId="ADAL" clId="{758DCD6B-17B3-4BFA-89D6-63E62C1C193D}" dt="2021-11-30T16:17:28.625" v="226" actId="554"/>
+          <ac:spMkLst>
+            <pc:docMk/>
+            <pc:sldMk cId="756951051" sldId="919"/>
+            <ac:spMk id="36" creationId="{CF6BFD92-0652-4EA7-BD79-A506F3FFD8F0}"/>
+          </ac:spMkLst>
+        </pc:spChg>
+        <pc:spChg chg="add mod">
+          <ac:chgData name="Dieter" userId="d97562fd-b189-437e-b91d-de7b81e9769e" providerId="ADAL" clId="{758DCD6B-17B3-4BFA-89D6-63E62C1C193D}" dt="2021-11-30T16:28:20.980" v="236" actId="207"/>
+          <ac:spMkLst>
+            <pc:docMk/>
+            <pc:sldMk cId="756951051" sldId="919"/>
+            <ac:spMk id="37" creationId="{A26F0374-3FF9-4920-B32F-6C9FA5F8A8A9}"/>
+          </ac:spMkLst>
+        </pc:spChg>
+        <pc:spChg chg="del">
+          <ac:chgData name="Dieter" userId="d97562fd-b189-437e-b91d-de7b81e9769e" providerId="ADAL" clId="{758DCD6B-17B3-4BFA-89D6-63E62C1C193D}" dt="2021-11-30T16:16:02.820" v="182" actId="478"/>
+          <ac:spMkLst>
+            <pc:docMk/>
+            <pc:sldMk cId="756951051" sldId="919"/>
+            <ac:spMk id="38" creationId="{EA67062D-D7FD-4196-8384-C91CB1EC98D1}"/>
+          </ac:spMkLst>
+        </pc:spChg>
+        <pc:spChg chg="add mod">
+          <ac:chgData name="Dieter" userId="d97562fd-b189-437e-b91d-de7b81e9769e" providerId="ADAL" clId="{758DCD6B-17B3-4BFA-89D6-63E62C1C193D}" dt="2021-11-30T16:17:28.625" v="226" actId="554"/>
+          <ac:spMkLst>
+            <pc:docMk/>
+            <pc:sldMk cId="756951051" sldId="919"/>
+            <ac:spMk id="39" creationId="{59E96AF8-35C8-438C-865A-1E0B47686B50}"/>
+          </ac:spMkLst>
+        </pc:spChg>
+        <pc:spChg chg="add mod">
+          <ac:chgData name="Dieter" userId="d97562fd-b189-437e-b91d-de7b81e9769e" providerId="ADAL" clId="{758DCD6B-17B3-4BFA-89D6-63E62C1C193D}" dt="2021-11-30T16:17:28.625" v="226" actId="554"/>
+          <ac:spMkLst>
+            <pc:docMk/>
+            <pc:sldMk cId="756951051" sldId="919"/>
+            <ac:spMk id="40" creationId="{680E1BEB-2238-4BCC-9D21-340E70E06B7B}"/>
+          </ac:spMkLst>
+        </pc:spChg>
+        <pc:spChg chg="add mod">
+          <ac:chgData name="Dieter" userId="d97562fd-b189-437e-b91d-de7b81e9769e" providerId="ADAL" clId="{758DCD6B-17B3-4BFA-89D6-63E62C1C193D}" dt="2021-11-30T16:28:20.980" v="236" actId="207"/>
+          <ac:spMkLst>
+            <pc:docMk/>
+            <pc:sldMk cId="756951051" sldId="919"/>
+            <ac:spMk id="41" creationId="{235BB49B-D59B-4360-8495-1DCF7283FA53}"/>
+          </ac:spMkLst>
+        </pc:spChg>
+        <pc:spChg chg="add mod">
+          <ac:chgData name="Dieter" userId="d97562fd-b189-437e-b91d-de7b81e9769e" providerId="ADAL" clId="{758DCD6B-17B3-4BFA-89D6-63E62C1C193D}" dt="2021-11-30T16:17:28.625" v="226" actId="554"/>
+          <ac:spMkLst>
+            <pc:docMk/>
+            <pc:sldMk cId="756951051" sldId="919"/>
+            <ac:spMk id="42" creationId="{766A513F-F0B6-49E2-8B75-168C1C03CD78}"/>
+          </ac:spMkLst>
+        </pc:spChg>
+        <pc:spChg chg="add mod">
+          <ac:chgData name="Dieter" userId="d97562fd-b189-437e-b91d-de7b81e9769e" providerId="ADAL" clId="{758DCD6B-17B3-4BFA-89D6-63E62C1C193D}" dt="2021-11-30T16:28:20.980" v="236" actId="207"/>
+          <ac:spMkLst>
+            <pc:docMk/>
+            <pc:sldMk cId="756951051" sldId="919"/>
+            <ac:spMk id="43" creationId="{6131DD93-B369-4E24-8608-265974DCEF9B}"/>
+          </ac:spMkLst>
+        </pc:spChg>
+        <pc:spChg chg="add mod">
+          <ac:chgData name="Dieter" userId="d97562fd-b189-437e-b91d-de7b81e9769e" providerId="ADAL" clId="{758DCD6B-17B3-4BFA-89D6-63E62C1C193D}" dt="2021-11-30T16:17:28.625" v="226" actId="554"/>
+          <ac:spMkLst>
+            <pc:docMk/>
+            <pc:sldMk cId="756951051" sldId="919"/>
+            <ac:spMk id="44" creationId="{CD9371BC-2C62-48CD-A426-F7902B6EA1F2}"/>
+          </ac:spMkLst>
+        </pc:spChg>
+        <pc:spChg chg="del">
+          <ac:chgData name="Dieter" userId="d97562fd-b189-437e-b91d-de7b81e9769e" providerId="ADAL" clId="{758DCD6B-17B3-4BFA-89D6-63E62C1C193D}" dt="2021-11-30T16:16:02.820" v="182" actId="478"/>
+          <ac:spMkLst>
+            <pc:docMk/>
+            <pc:sldMk cId="756951051" sldId="919"/>
+            <ac:spMk id="45" creationId="{CACFEB03-36DA-45B9-9FF5-C102B05E9494}"/>
+          </ac:spMkLst>
+        </pc:spChg>
+        <pc:spChg chg="del">
+          <ac:chgData name="Dieter" userId="d97562fd-b189-437e-b91d-de7b81e9769e" providerId="ADAL" clId="{758DCD6B-17B3-4BFA-89D6-63E62C1C193D}" dt="2021-11-30T16:16:02.820" v="182" actId="478"/>
+          <ac:spMkLst>
+            <pc:docMk/>
+            <pc:sldMk cId="756951051" sldId="919"/>
+            <ac:spMk id="46" creationId="{2AD00497-7184-4459-8943-C7CC2494E055}"/>
+          </ac:spMkLst>
+        </pc:spChg>
+        <pc:spChg chg="del">
+          <ac:chgData name="Dieter" userId="d97562fd-b189-437e-b91d-de7b81e9769e" providerId="ADAL" clId="{758DCD6B-17B3-4BFA-89D6-63E62C1C193D}" dt="2021-11-30T16:16:02.820" v="182" actId="478"/>
+          <ac:spMkLst>
+            <pc:docMk/>
+            <pc:sldMk cId="756951051" sldId="919"/>
+            <ac:spMk id="47" creationId="{A059C340-E2DF-4A7A-A3DF-A5F562088F73}"/>
+          </ac:spMkLst>
+        </pc:spChg>
+        <pc:spChg chg="del">
+          <ac:chgData name="Dieter" userId="d97562fd-b189-437e-b91d-de7b81e9769e" providerId="ADAL" clId="{758DCD6B-17B3-4BFA-89D6-63E62C1C193D}" dt="2021-11-30T16:16:02.820" v="182" actId="478"/>
+          <ac:spMkLst>
+            <pc:docMk/>
+            <pc:sldMk cId="756951051" sldId="919"/>
+            <ac:spMk id="49" creationId="{E185C4F2-56D7-4A90-BE9B-ED9AD9A8670D}"/>
+          </ac:spMkLst>
+        </pc:spChg>
+        <pc:spChg chg="del">
+          <ac:chgData name="Dieter" userId="d97562fd-b189-437e-b91d-de7b81e9769e" providerId="ADAL" clId="{758DCD6B-17B3-4BFA-89D6-63E62C1C193D}" dt="2021-11-30T16:16:02.820" v="182" actId="478"/>
+          <ac:spMkLst>
+            <pc:docMk/>
+            <pc:sldMk cId="756951051" sldId="919"/>
+            <ac:spMk id="50" creationId="{FA89C392-12B6-4FF6-B2B4-AC53788C9E3D}"/>
+          </ac:spMkLst>
+        </pc:spChg>
+        <pc:spChg chg="del">
+          <ac:chgData name="Dieter" userId="d97562fd-b189-437e-b91d-de7b81e9769e" providerId="ADAL" clId="{758DCD6B-17B3-4BFA-89D6-63E62C1C193D}" dt="2021-11-30T16:16:02.820" v="182" actId="478"/>
+          <ac:spMkLst>
+            <pc:docMk/>
+            <pc:sldMk cId="756951051" sldId="919"/>
+            <ac:spMk id="51" creationId="{C9E31E60-74DF-43AD-9574-03A4CA57B91A}"/>
+          </ac:spMkLst>
+        </pc:spChg>
+        <pc:spChg chg="del">
+          <ac:chgData name="Dieter" userId="d97562fd-b189-437e-b91d-de7b81e9769e" providerId="ADAL" clId="{758DCD6B-17B3-4BFA-89D6-63E62C1C193D}" dt="2021-11-30T16:16:02.820" v="182" actId="478"/>
+          <ac:spMkLst>
+            <pc:docMk/>
+            <pc:sldMk cId="756951051" sldId="919"/>
+            <ac:spMk id="52" creationId="{04D7B98C-1106-45BE-8A46-976BD5D8F1E6}"/>
+          </ac:spMkLst>
+        </pc:spChg>
+        <pc:spChg chg="del">
+          <ac:chgData name="Dieter" userId="d97562fd-b189-437e-b91d-de7b81e9769e" providerId="ADAL" clId="{758DCD6B-17B3-4BFA-89D6-63E62C1C193D}" dt="2021-11-30T16:16:02.820" v="182" actId="478"/>
+          <ac:spMkLst>
+            <pc:docMk/>
+            <pc:sldMk cId="756951051" sldId="919"/>
+            <ac:spMk id="53" creationId="{B35B73BA-CD18-467C-B0C4-0CEE3ED14B72}"/>
+          </ac:spMkLst>
+        </pc:spChg>
+        <pc:spChg chg="del">
+          <ac:chgData name="Dieter" userId="d97562fd-b189-437e-b91d-de7b81e9769e" providerId="ADAL" clId="{758DCD6B-17B3-4BFA-89D6-63E62C1C193D}" dt="2021-11-30T16:16:02.820" v="182" actId="478"/>
+          <ac:spMkLst>
+            <pc:docMk/>
+            <pc:sldMk cId="756951051" sldId="919"/>
+            <ac:spMk id="54" creationId="{CE176BA6-1E6B-43A3-890B-A24368621189}"/>
+          </ac:spMkLst>
+        </pc:spChg>
+        <pc:spChg chg="del">
+          <ac:chgData name="Dieter" userId="d97562fd-b189-437e-b91d-de7b81e9769e" providerId="ADAL" clId="{758DCD6B-17B3-4BFA-89D6-63E62C1C193D}" dt="2021-11-30T16:16:02.820" v="182" actId="478"/>
+          <ac:spMkLst>
+            <pc:docMk/>
+            <pc:sldMk cId="756951051" sldId="919"/>
+            <ac:spMk id="69" creationId="{941CC68C-C30A-4E24-908E-3D44E7CC3FC7}"/>
+          </ac:spMkLst>
+        </pc:spChg>
+        <pc:spChg chg="del">
+          <ac:chgData name="Dieter" userId="d97562fd-b189-437e-b91d-de7b81e9769e" providerId="ADAL" clId="{758DCD6B-17B3-4BFA-89D6-63E62C1C193D}" dt="2021-11-30T16:16:02.820" v="182" actId="478"/>
+          <ac:spMkLst>
+            <pc:docMk/>
+            <pc:sldMk cId="756951051" sldId="919"/>
+            <ac:spMk id="70" creationId="{8C56A5EC-03ED-4B7D-BC3B-CF69D6B6F8EB}"/>
+          </ac:spMkLst>
+        </pc:spChg>
+        <pc:spChg chg="del">
+          <ac:chgData name="Dieter" userId="d97562fd-b189-437e-b91d-de7b81e9769e" providerId="ADAL" clId="{758DCD6B-17B3-4BFA-89D6-63E62C1C193D}" dt="2021-11-30T16:16:02.820" v="182" actId="478"/>
+          <ac:spMkLst>
+            <pc:docMk/>
+            <pc:sldMk cId="756951051" sldId="919"/>
+            <ac:spMk id="74" creationId="{0CC8E60F-B7CB-4690-9DBF-38769D3C0560}"/>
+          </ac:spMkLst>
+        </pc:spChg>
+        <pc:spChg chg="del">
+          <ac:chgData name="Dieter" userId="d97562fd-b189-437e-b91d-de7b81e9769e" providerId="ADAL" clId="{758DCD6B-17B3-4BFA-89D6-63E62C1C193D}" dt="2021-11-30T16:16:02.820" v="182" actId="478"/>
+          <ac:spMkLst>
+            <pc:docMk/>
+            <pc:sldMk cId="756951051" sldId="919"/>
+            <ac:spMk id="94" creationId="{75F9C068-AD9F-4D09-836D-F4B68B0E2955}"/>
+          </ac:spMkLst>
+        </pc:spChg>
+        <pc:spChg chg="del">
+          <ac:chgData name="Dieter" userId="d97562fd-b189-437e-b91d-de7b81e9769e" providerId="ADAL" clId="{758DCD6B-17B3-4BFA-89D6-63E62C1C193D}" dt="2021-11-30T16:16:02.820" v="182" actId="478"/>
+          <ac:spMkLst>
+            <pc:docMk/>
+            <pc:sldMk cId="756951051" sldId="919"/>
+            <ac:spMk id="113" creationId="{E3847FAE-ECC1-4068-BE4A-04AD03577F62}"/>
+          </ac:spMkLst>
+        </pc:spChg>
+        <pc:cxnChg chg="del">
+          <ac:chgData name="Dieter" userId="d97562fd-b189-437e-b91d-de7b81e9769e" providerId="ADAL" clId="{758DCD6B-17B3-4BFA-89D6-63E62C1C193D}" dt="2021-11-30T16:16:02.820" v="182" actId="478"/>
+          <ac:cxnSpMkLst>
+            <pc:docMk/>
+            <pc:sldMk cId="756951051" sldId="919"/>
+            <ac:cxnSpMk id="5" creationId="{0C25CA56-AE88-48DA-9695-DA5E88AB03E4}"/>
+          </ac:cxnSpMkLst>
+        </pc:cxnChg>
+        <pc:cxnChg chg="add mod">
+          <ac:chgData name="Dieter" userId="d97562fd-b189-437e-b91d-de7b81e9769e" providerId="ADAL" clId="{758DCD6B-17B3-4BFA-89D6-63E62C1C193D}" dt="2021-11-30T16:28:31.282" v="237" actId="208"/>
+          <ac:cxnSpMkLst>
+            <pc:docMk/>
+            <pc:sldMk cId="756951051" sldId="919"/>
+            <ac:cxnSpMk id="6" creationId="{61A23AAD-081F-42E3-A41B-5B23215CBFDB}"/>
+          </ac:cxnSpMkLst>
+        </pc:cxnChg>
+        <pc:cxnChg chg="add del">
+          <ac:chgData name="Dieter" userId="d97562fd-b189-437e-b91d-de7b81e9769e" providerId="ADAL" clId="{758DCD6B-17B3-4BFA-89D6-63E62C1C193D}" dt="2021-11-30T16:16:31.767" v="208" actId="478"/>
+          <ac:cxnSpMkLst>
+            <pc:docMk/>
+            <pc:sldMk cId="756951051" sldId="919"/>
+            <ac:cxnSpMk id="8" creationId="{A5E48A4B-F62C-4AD8-8ADD-A103BD439571}"/>
+          </ac:cxnSpMkLst>
+        </pc:cxnChg>
+        <pc:cxnChg chg="add">
+          <ac:chgData name="Dieter" userId="d97562fd-b189-437e-b91d-de7b81e9769e" providerId="ADAL" clId="{758DCD6B-17B3-4BFA-89D6-63E62C1C193D}" dt="2021-11-30T16:18:21.332" v="232" actId="11529"/>
+          <ac:cxnSpMkLst>
+            <pc:docMk/>
+            <pc:sldMk cId="756951051" sldId="919"/>
+            <ac:cxnSpMk id="11" creationId="{6439E5F1-680A-432F-82B9-E8342B50D1FA}"/>
+          </ac:cxnSpMkLst>
+        </pc:cxnChg>
+        <pc:cxnChg chg="del">
+          <ac:chgData name="Dieter" userId="d97562fd-b189-437e-b91d-de7b81e9769e" providerId="ADAL" clId="{758DCD6B-17B3-4BFA-89D6-63E62C1C193D}" dt="2021-11-30T16:16:02.820" v="182" actId="478"/>
+          <ac:cxnSpMkLst>
+            <pc:docMk/>
+            <pc:sldMk cId="756951051" sldId="919"/>
+            <ac:cxnSpMk id="27" creationId="{A47A8F03-F822-4403-B7F5-2E20D00621B1}"/>
+          </ac:cxnSpMkLst>
+        </pc:cxnChg>
+        <pc:cxnChg chg="del">
+          <ac:chgData name="Dieter" userId="d97562fd-b189-437e-b91d-de7b81e9769e" providerId="ADAL" clId="{758DCD6B-17B3-4BFA-89D6-63E62C1C193D}" dt="2021-11-30T16:16:02.820" v="182" actId="478"/>
+          <ac:cxnSpMkLst>
+            <pc:docMk/>
+            <pc:sldMk cId="756951051" sldId="919"/>
+            <ac:cxnSpMk id="48" creationId="{B17CFB7C-A07C-46AC-BB30-CFDBB42122E6}"/>
+          </ac:cxnSpMkLst>
+        </pc:cxnChg>
+        <pc:cxnChg chg="del">
+          <ac:chgData name="Dieter" userId="d97562fd-b189-437e-b91d-de7b81e9769e" providerId="ADAL" clId="{758DCD6B-17B3-4BFA-89D6-63E62C1C193D}" dt="2021-11-30T16:16:02.820" v="182" actId="478"/>
+          <ac:cxnSpMkLst>
+            <pc:docMk/>
+            <pc:sldMk cId="756951051" sldId="919"/>
+            <ac:cxnSpMk id="63" creationId="{2F0681C3-2071-409C-AEA8-E0DC4EBB4C8D}"/>
+          </ac:cxnSpMkLst>
+        </pc:cxnChg>
+        <pc:cxnChg chg="del">
+          <ac:chgData name="Dieter" userId="d97562fd-b189-437e-b91d-de7b81e9769e" providerId="ADAL" clId="{758DCD6B-17B3-4BFA-89D6-63E62C1C193D}" dt="2021-11-30T16:16:02.820" v="182" actId="478"/>
+          <ac:cxnSpMkLst>
+            <pc:docMk/>
+            <pc:sldMk cId="756951051" sldId="919"/>
+            <ac:cxnSpMk id="93" creationId="{981FE784-40FB-4CAF-8963-80FF9B38B8A0}"/>
+          </ac:cxnSpMkLst>
+        </pc:cxnChg>
+        <pc:cxnChg chg="del">
+          <ac:chgData name="Dieter" userId="d97562fd-b189-437e-b91d-de7b81e9769e" providerId="ADAL" clId="{758DCD6B-17B3-4BFA-89D6-63E62C1C193D}" dt="2021-11-30T16:16:02.820" v="182" actId="478"/>
+          <ac:cxnSpMkLst>
+            <pc:docMk/>
+            <pc:sldMk cId="756951051" sldId="919"/>
             <ac:cxnSpMk id="100" creationId="{80D105F7-73FD-4A3E-9717-3071F1A8F549}"/>
           </ac:cxnSpMkLst>
         </pc:cxnChg>
@@ -3866,7 +4178,7 @@
           <a:p>
             <a:fld id="{EE0D4A65-4BAF-4E99-B6EF-5547CCE4A97F}" type="datetimeFigureOut">
               <a:rPr lang="de-DE" smtClean="0"/>
-              <a:t>22.11.2021</a:t>
+              <a:t>30.11.2021</a:t>
             </a:fld>
             <a:endParaRPr lang="de-DE"/>
           </a:p>
@@ -4031,7 +4343,7 @@
           <a:p>
             <a:fld id="{FBDD1A8F-935D-450A-B89A-1A95DCA0E4F3}" type="datetimeFigureOut">
               <a:rPr lang="de-DE" smtClean="0"/>
-              <a:t>22.11.2021</a:t>
+              <a:t>30.11.2021</a:t>
             </a:fld>
             <a:endParaRPr lang="de-DE"/>
           </a:p>
@@ -7464,7 +7776,33 @@
             </a:cxnLst>
             <a:rect l="l" t="t" r="r" b="b"/>
             <a:pathLst>
-              <a:path w="742941" h="579895" extrusionOk="0">
+              <a:path w="742941" h="579895" fill="none" extrusionOk="0">
+                <a:moveTo>
+                  <a:pt x="0" y="289948"/>
+                </a:moveTo>
+                <a:cubicBezTo>
+                  <a:pt x="35213" y="163202"/>
+                  <a:pt x="137030" y="-15671"/>
+                  <a:pt x="371471" y="0"/>
+                </a:cubicBezTo>
+                <a:cubicBezTo>
+                  <a:pt x="580391" y="6764"/>
+                  <a:pt x="724817" y="104427"/>
+                  <a:pt x="742942" y="289948"/>
+                </a:cubicBezTo>
+                <a:cubicBezTo>
+                  <a:pt x="731160" y="442164"/>
+                  <a:pt x="528982" y="577156"/>
+                  <a:pt x="371471" y="579896"/>
+                </a:cubicBezTo>
+                <a:cubicBezTo>
+                  <a:pt x="165861" y="588547"/>
+                  <a:pt x="11153" y="436240"/>
+                  <a:pt x="0" y="289948"/>
+                </a:cubicBezTo>
+                <a:close/>
+              </a:path>
+              <a:path w="742941" h="579895" stroke="0" extrusionOk="0">
                 <a:moveTo>
                   <a:pt x="0" y="289948"/>
                 </a:moveTo>
@@ -8193,7 +8531,33 @@
             </a:cxnLst>
             <a:rect l="l" t="t" r="r" b="b"/>
             <a:pathLst>
-              <a:path w="742941" h="579895" extrusionOk="0">
+              <a:path w="742941" h="579895" fill="none" extrusionOk="0">
+                <a:moveTo>
+                  <a:pt x="0" y="289948"/>
+                </a:moveTo>
+                <a:cubicBezTo>
+                  <a:pt x="35213" y="163202"/>
+                  <a:pt x="137030" y="-15671"/>
+                  <a:pt x="371471" y="0"/>
+                </a:cubicBezTo>
+                <a:cubicBezTo>
+                  <a:pt x="580391" y="6764"/>
+                  <a:pt x="724817" y="104427"/>
+                  <a:pt x="742942" y="289948"/>
+                </a:cubicBezTo>
+                <a:cubicBezTo>
+                  <a:pt x="731160" y="442164"/>
+                  <a:pt x="528982" y="577156"/>
+                  <a:pt x="371471" y="579896"/>
+                </a:cubicBezTo>
+                <a:cubicBezTo>
+                  <a:pt x="165861" y="588547"/>
+                  <a:pt x="11153" y="436240"/>
+                  <a:pt x="0" y="289948"/>
+                </a:cubicBezTo>
+                <a:close/>
+              </a:path>
+              <a:path w="742941" h="579895" stroke="0" extrusionOk="0">
                 <a:moveTo>
                   <a:pt x="0" y="289948"/>
                 </a:moveTo>
@@ -8331,7 +8695,33 @@
             </a:cxnLst>
             <a:rect l="l" t="t" r="r" b="b"/>
             <a:pathLst>
-              <a:path w="742941" h="579895" extrusionOk="0">
+              <a:path w="742941" h="579895" fill="none" extrusionOk="0">
+                <a:moveTo>
+                  <a:pt x="0" y="289948"/>
+                </a:moveTo>
+                <a:cubicBezTo>
+                  <a:pt x="35213" y="163202"/>
+                  <a:pt x="137030" y="-15671"/>
+                  <a:pt x="371471" y="0"/>
+                </a:cubicBezTo>
+                <a:cubicBezTo>
+                  <a:pt x="580391" y="6764"/>
+                  <a:pt x="724817" y="104427"/>
+                  <a:pt x="742942" y="289948"/>
+                </a:cubicBezTo>
+                <a:cubicBezTo>
+                  <a:pt x="731160" y="442164"/>
+                  <a:pt x="528982" y="577156"/>
+                  <a:pt x="371471" y="579896"/>
+                </a:cubicBezTo>
+                <a:cubicBezTo>
+                  <a:pt x="165861" y="588547"/>
+                  <a:pt x="11153" y="436240"/>
+                  <a:pt x="0" y="289948"/>
+                </a:cubicBezTo>
+                <a:close/>
+              </a:path>
+              <a:path w="742941" h="579895" stroke="0" extrusionOk="0">
                 <a:moveTo>
                   <a:pt x="0" y="289948"/>
                 </a:moveTo>
@@ -12083,6 +12473,998 @@
     <p:extLst>
       <p:ext uri="{BB962C8B-B14F-4D97-AF65-F5344CB8AC3E}">
         <p14:creationId xmlns:p14="http://schemas.microsoft.com/office/powerpoint/2010/main" val="3530233497"/>
+      </p:ext>
+    </p:extLst>
+  </p:cSld>
+  <p:clrMapOvr>
+    <a:masterClrMapping/>
+  </p:clrMapOvr>
+  <p:transition spd="slow">
+    <p:push dir="u"/>
+  </p:transition>
+</p:sld>
+</file>
+
+<file path=ppt/slides/slide5.xml><?xml version="1.0" encoding="utf-8"?>
+<p:sld xmlns:a="http://schemas.openxmlformats.org/drawingml/2006/main" xmlns:r="http://schemas.openxmlformats.org/officeDocument/2006/relationships" xmlns:p="http://schemas.openxmlformats.org/presentationml/2006/main">
+  <p:cSld>
+    <p:spTree>
+      <p:nvGrpSpPr>
+        <p:cNvPr id="1" name=""/>
+        <p:cNvGrpSpPr/>
+        <p:nvPr/>
+      </p:nvGrpSpPr>
+      <p:grpSpPr>
+        <a:xfrm>
+          <a:off x="0" y="0"/>
+          <a:ext cx="0" cy="0"/>
+          <a:chOff x="0" y="0"/>
+          <a:chExt cx="0" cy="0"/>
+        </a:xfrm>
+      </p:grpSpPr>
+      <p:sp>
+        <p:nvSpPr>
+          <p:cNvPr id="4" name="Titel 3">
+            <a:extLst>
+              <a:ext uri="{FF2B5EF4-FFF2-40B4-BE49-F238E27FC236}">
+                <a16:creationId xmlns:a16="http://schemas.microsoft.com/office/drawing/2014/main" id="{B19FB078-A2E6-42C9-A05C-14AF628106A0}"/>
+              </a:ext>
+            </a:extLst>
+          </p:cNvPr>
+          <p:cNvSpPr>
+            <a:spLocks noGrp="1"/>
+          </p:cNvSpPr>
+          <p:nvPr>
+            <p:ph type="title"/>
+          </p:nvPr>
+        </p:nvSpPr>
+        <p:spPr/>
+        <p:txBody>
+          <a:bodyPr/>
+          <a:lstStyle/>
+          <a:p>
+            <a:r>
+              <a:rPr lang="de-DE" dirty="0"/>
+              <a:t>Gini - </a:t>
+            </a:r>
+            <a:r>
+              <a:rPr lang="de-DE" dirty="0" err="1"/>
+              <a:t>Impurity</a:t>
+            </a:r>
+            <a:endParaRPr lang="en-GB" dirty="0"/>
+          </a:p>
+        </p:txBody>
+      </p:sp>
+      <p:sp>
+        <p:nvSpPr>
+          <p:cNvPr id="65" name="Ellipse 64">
+            <a:extLst>
+              <a:ext uri="{FF2B5EF4-FFF2-40B4-BE49-F238E27FC236}">
+                <a16:creationId xmlns:a16="http://schemas.microsoft.com/office/drawing/2014/main" id="{E773DD91-9E98-44D1-8894-3E44F2428645}"/>
+              </a:ext>
+            </a:extLst>
+          </p:cNvPr>
+          <p:cNvSpPr/>
+          <p:nvPr/>
+        </p:nvSpPr>
+        <p:spPr>
+          <a:xfrm>
+            <a:off x="5546826" y="6233745"/>
+            <a:ext cx="518474" cy="424206"/>
+          </a:xfrm>
+          <a:noFill/>
+          <a:ln>
+            <a:solidFill>
+              <a:schemeClr val="tx1">
+                <a:lumMod val="95000"/>
+                <a:lumOff val="5000"/>
+              </a:schemeClr>
+            </a:solidFill>
+          </a:ln>
+        </p:spPr>
+        <p:style>
+          <a:lnRef idx="2">
+            <a:schemeClr val="accent1">
+              <a:shade val="50000"/>
+            </a:schemeClr>
+          </a:lnRef>
+          <a:fillRef idx="1">
+            <a:schemeClr val="accent1"/>
+          </a:fillRef>
+          <a:effectRef idx="0">
+            <a:schemeClr val="accent1"/>
+          </a:effectRef>
+          <a:fontRef idx="minor">
+            <a:schemeClr val="lt1"/>
+          </a:fontRef>
+        </p:style>
+        <p:txBody>
+          <a:bodyPr rtlCol="0" anchor="ctr"/>
+          <a:lstStyle/>
+          <a:p>
+            <a:pPr algn="ctr"/>
+            <a:endParaRPr lang="en-GB" dirty="0">
+              <a:solidFill>
+                <a:schemeClr val="tx1"/>
+              </a:solidFill>
+            </a:endParaRPr>
+          </a:p>
+        </p:txBody>
+      </p:sp>
+      <p:sp>
+        <p:nvSpPr>
+          <p:cNvPr id="92" name="Ellipse 91">
+            <a:extLst>
+              <a:ext uri="{FF2B5EF4-FFF2-40B4-BE49-F238E27FC236}">
+                <a16:creationId xmlns:a16="http://schemas.microsoft.com/office/drawing/2014/main" id="{55808013-949D-42BD-A682-9417677148AD}"/>
+              </a:ext>
+            </a:extLst>
+          </p:cNvPr>
+          <p:cNvSpPr/>
+          <p:nvPr/>
+        </p:nvSpPr>
+        <p:spPr>
+          <a:xfrm>
+            <a:off x="7664259" y="6226143"/>
+            <a:ext cx="518474" cy="424206"/>
+          </a:xfrm>
+          <a:noFill/>
+          <a:ln>
+            <a:solidFill>
+              <a:schemeClr val="tx1">
+                <a:lumMod val="95000"/>
+                <a:lumOff val="5000"/>
+              </a:schemeClr>
+            </a:solidFill>
+          </a:ln>
+        </p:spPr>
+        <p:style>
+          <a:lnRef idx="2">
+            <a:schemeClr val="accent1">
+              <a:shade val="50000"/>
+            </a:schemeClr>
+          </a:lnRef>
+          <a:fillRef idx="1">
+            <a:schemeClr val="accent1"/>
+          </a:fillRef>
+          <a:effectRef idx="0">
+            <a:schemeClr val="accent1"/>
+          </a:effectRef>
+          <a:fontRef idx="minor">
+            <a:schemeClr val="lt1"/>
+          </a:fontRef>
+        </p:style>
+        <p:txBody>
+          <a:bodyPr rtlCol="0" anchor="ctr"/>
+          <a:lstStyle/>
+          <a:p>
+            <a:pPr algn="ctr"/>
+            <a:endParaRPr lang="en-GB" dirty="0">
+              <a:solidFill>
+                <a:schemeClr val="tx1"/>
+              </a:solidFill>
+            </a:endParaRPr>
+          </a:p>
+        </p:txBody>
+      </p:sp>
+      <p:sp>
+        <p:nvSpPr>
+          <p:cNvPr id="105" name="Ellipse 104">
+            <a:extLst>
+              <a:ext uri="{FF2B5EF4-FFF2-40B4-BE49-F238E27FC236}">
+                <a16:creationId xmlns:a16="http://schemas.microsoft.com/office/drawing/2014/main" id="{B04A6E32-1085-44DC-BE1E-30E06C1414CE}"/>
+              </a:ext>
+            </a:extLst>
+          </p:cNvPr>
+          <p:cNvSpPr/>
+          <p:nvPr/>
+        </p:nvSpPr>
+        <p:spPr>
+          <a:xfrm>
+            <a:off x="3040994" y="6283121"/>
+            <a:ext cx="518474" cy="424206"/>
+          </a:xfrm>
+          <a:noFill/>
+          <a:ln>
+            <a:solidFill>
+              <a:schemeClr val="tx1">
+                <a:lumMod val="95000"/>
+                <a:lumOff val="5000"/>
+              </a:schemeClr>
+            </a:solidFill>
+          </a:ln>
+        </p:spPr>
+        <p:style>
+          <a:lnRef idx="2">
+            <a:schemeClr val="accent1">
+              <a:shade val="50000"/>
+            </a:schemeClr>
+          </a:lnRef>
+          <a:fillRef idx="1">
+            <a:schemeClr val="accent1"/>
+          </a:fillRef>
+          <a:effectRef idx="0">
+            <a:schemeClr val="accent1"/>
+          </a:effectRef>
+          <a:fontRef idx="minor">
+            <a:schemeClr val="lt1"/>
+          </a:fontRef>
+        </p:style>
+        <p:txBody>
+          <a:bodyPr rtlCol="0" anchor="ctr"/>
+          <a:lstStyle/>
+          <a:p>
+            <a:pPr algn="ctr"/>
+            <a:endParaRPr lang="en-GB" dirty="0">
+              <a:solidFill>
+                <a:schemeClr val="tx1"/>
+              </a:solidFill>
+            </a:endParaRPr>
+          </a:p>
+        </p:txBody>
+      </p:sp>
+      <p:sp>
+        <p:nvSpPr>
+          <p:cNvPr id="106" name="Ellipse 105">
+            <a:extLst>
+              <a:ext uri="{FF2B5EF4-FFF2-40B4-BE49-F238E27FC236}">
+                <a16:creationId xmlns:a16="http://schemas.microsoft.com/office/drawing/2014/main" id="{5017682C-10F4-484B-8DBF-0D714674AEB1}"/>
+              </a:ext>
+            </a:extLst>
+          </p:cNvPr>
+          <p:cNvSpPr/>
+          <p:nvPr/>
+        </p:nvSpPr>
+        <p:spPr>
+          <a:xfrm>
+            <a:off x="1002056" y="6219491"/>
+            <a:ext cx="518474" cy="424206"/>
+          </a:xfrm>
+          <a:noFill/>
+          <a:ln>
+            <a:solidFill>
+              <a:schemeClr val="tx1">
+                <a:lumMod val="95000"/>
+                <a:lumOff val="5000"/>
+              </a:schemeClr>
+            </a:solidFill>
+          </a:ln>
+        </p:spPr>
+        <p:style>
+          <a:lnRef idx="2">
+            <a:schemeClr val="accent1">
+              <a:shade val="50000"/>
+            </a:schemeClr>
+          </a:lnRef>
+          <a:fillRef idx="1">
+            <a:schemeClr val="accent1"/>
+          </a:fillRef>
+          <a:effectRef idx="0">
+            <a:schemeClr val="accent1"/>
+          </a:effectRef>
+          <a:fontRef idx="minor">
+            <a:schemeClr val="lt1"/>
+          </a:fontRef>
+        </p:style>
+        <p:txBody>
+          <a:bodyPr rtlCol="0" anchor="ctr"/>
+          <a:lstStyle/>
+          <a:p>
+            <a:pPr algn="ctr"/>
+            <a:endParaRPr lang="en-GB" dirty="0">
+              <a:solidFill>
+                <a:schemeClr val="tx1"/>
+              </a:solidFill>
+            </a:endParaRPr>
+          </a:p>
+        </p:txBody>
+      </p:sp>
+      <p:cxnSp>
+        <p:nvCxnSpPr>
+          <p:cNvPr id="6" name="Gerade Verbindung mit Pfeil 5">
+            <a:extLst>
+              <a:ext uri="{FF2B5EF4-FFF2-40B4-BE49-F238E27FC236}">
+                <a16:creationId xmlns:a16="http://schemas.microsoft.com/office/drawing/2014/main" id="{61A23AAD-081F-42E3-A41B-5B23215CBFDB}"/>
+              </a:ext>
+            </a:extLst>
+          </p:cNvPr>
+          <p:cNvCxnSpPr/>
+          <p:nvPr/>
+        </p:nvCxnSpPr>
+        <p:spPr>
+          <a:xfrm>
+            <a:off x="1002056" y="2517058"/>
+            <a:ext cx="5939518" cy="0"/>
+          </a:xfrm>
+          <a:prstGeom prst="straightConnector1">
+            <a:avLst/>
+          </a:prstGeom>
+          <a:ln>
+            <a:solidFill>
+              <a:schemeClr val="bg1">
+                <a:lumMod val="65000"/>
+              </a:schemeClr>
+            </a:solidFill>
+            <a:tailEnd type="triangle"/>
+          </a:ln>
+        </p:spPr>
+        <p:style>
+          <a:lnRef idx="1">
+            <a:schemeClr val="accent1"/>
+          </a:lnRef>
+          <a:fillRef idx="0">
+            <a:schemeClr val="accent1"/>
+          </a:fillRef>
+          <a:effectRef idx="0">
+            <a:schemeClr val="accent1"/>
+          </a:effectRef>
+          <a:fontRef idx="minor">
+            <a:schemeClr val="tx1"/>
+          </a:fontRef>
+        </p:style>
+      </p:cxnSp>
+      <p:sp>
+        <p:nvSpPr>
+          <p:cNvPr id="9" name="Ellipse 8">
+            <a:extLst>
+              <a:ext uri="{FF2B5EF4-FFF2-40B4-BE49-F238E27FC236}">
+                <a16:creationId xmlns:a16="http://schemas.microsoft.com/office/drawing/2014/main" id="{A4287284-2FA9-421E-8F19-2A96DBBE9398}"/>
+              </a:ext>
+            </a:extLst>
+          </p:cNvPr>
+          <p:cNvSpPr/>
+          <p:nvPr/>
+        </p:nvSpPr>
+        <p:spPr>
+          <a:xfrm>
+            <a:off x="5806063" y="2456835"/>
+            <a:ext cx="127820" cy="120443"/>
+          </a:xfrm>
+          <a:prstGeom prst="ellipse">
+            <a:avLst/>
+          </a:prstGeom>
+          <a:solidFill>
+            <a:schemeClr val="accent2"/>
+          </a:solidFill>
+          <a:ln>
+            <a:noFill/>
+          </a:ln>
+        </p:spPr>
+        <p:style>
+          <a:lnRef idx="2">
+            <a:schemeClr val="accent1">
+              <a:shade val="50000"/>
+            </a:schemeClr>
+          </a:lnRef>
+          <a:fillRef idx="1">
+            <a:schemeClr val="accent1"/>
+          </a:fillRef>
+          <a:effectRef idx="0">
+            <a:schemeClr val="accent1"/>
+          </a:effectRef>
+          <a:fontRef idx="minor">
+            <a:schemeClr val="lt1"/>
+          </a:fontRef>
+        </p:style>
+        <p:txBody>
+          <a:bodyPr rtlCol="0" anchor="ctr"/>
+          <a:lstStyle/>
+          <a:p>
+            <a:pPr algn="ctr"/>
+            <a:endParaRPr lang="en-GB">
+              <a:solidFill>
+                <a:schemeClr val="tx1"/>
+              </a:solidFill>
+            </a:endParaRPr>
+          </a:p>
+        </p:txBody>
+      </p:sp>
+      <p:sp>
+        <p:nvSpPr>
+          <p:cNvPr id="35" name="Ellipse 34">
+            <a:extLst>
+              <a:ext uri="{FF2B5EF4-FFF2-40B4-BE49-F238E27FC236}">
+                <a16:creationId xmlns:a16="http://schemas.microsoft.com/office/drawing/2014/main" id="{ED3114C3-07E2-4445-BB43-4E6CFD21CCFD}"/>
+              </a:ext>
+            </a:extLst>
+          </p:cNvPr>
+          <p:cNvSpPr/>
+          <p:nvPr/>
+        </p:nvSpPr>
+        <p:spPr>
+          <a:xfrm>
+            <a:off x="1735393" y="2456836"/>
+            <a:ext cx="127820" cy="120443"/>
+          </a:xfrm>
+          <a:prstGeom prst="ellipse">
+            <a:avLst/>
+          </a:prstGeom>
+          <a:solidFill>
+            <a:schemeClr val="accent1">
+              <a:lumMod val="75000"/>
+            </a:schemeClr>
+          </a:solidFill>
+          <a:ln>
+            <a:noFill/>
+          </a:ln>
+        </p:spPr>
+        <p:style>
+          <a:lnRef idx="2">
+            <a:schemeClr val="accent1">
+              <a:shade val="50000"/>
+            </a:schemeClr>
+          </a:lnRef>
+          <a:fillRef idx="1">
+            <a:schemeClr val="accent1"/>
+          </a:fillRef>
+          <a:effectRef idx="0">
+            <a:schemeClr val="accent1"/>
+          </a:effectRef>
+          <a:fontRef idx="minor">
+            <a:schemeClr val="lt1"/>
+          </a:fontRef>
+        </p:style>
+        <p:txBody>
+          <a:bodyPr rtlCol="0" anchor="ctr"/>
+          <a:lstStyle/>
+          <a:p>
+            <a:pPr algn="ctr"/>
+            <a:endParaRPr lang="en-GB">
+              <a:solidFill>
+                <a:schemeClr val="tx1"/>
+              </a:solidFill>
+            </a:endParaRPr>
+          </a:p>
+        </p:txBody>
+      </p:sp>
+      <p:sp>
+        <p:nvSpPr>
+          <p:cNvPr id="36" name="Ellipse 35">
+            <a:extLst>
+              <a:ext uri="{FF2B5EF4-FFF2-40B4-BE49-F238E27FC236}">
+                <a16:creationId xmlns:a16="http://schemas.microsoft.com/office/drawing/2014/main" id="{CF6BFD92-0652-4EA7-BD79-A506F3FFD8F0}"/>
+              </a:ext>
+            </a:extLst>
+          </p:cNvPr>
+          <p:cNvSpPr/>
+          <p:nvPr/>
+        </p:nvSpPr>
+        <p:spPr>
+          <a:xfrm>
+            <a:off x="2394154" y="2456836"/>
+            <a:ext cx="127820" cy="120443"/>
+          </a:xfrm>
+          <a:prstGeom prst="ellipse">
+            <a:avLst/>
+          </a:prstGeom>
+          <a:solidFill>
+            <a:schemeClr val="accent1">
+              <a:lumMod val="75000"/>
+            </a:schemeClr>
+          </a:solidFill>
+          <a:ln>
+            <a:noFill/>
+          </a:ln>
+        </p:spPr>
+        <p:style>
+          <a:lnRef idx="2">
+            <a:schemeClr val="accent1">
+              <a:shade val="50000"/>
+            </a:schemeClr>
+          </a:lnRef>
+          <a:fillRef idx="1">
+            <a:schemeClr val="accent1"/>
+          </a:fillRef>
+          <a:effectRef idx="0">
+            <a:schemeClr val="accent1"/>
+          </a:effectRef>
+          <a:fontRef idx="minor">
+            <a:schemeClr val="lt1"/>
+          </a:fontRef>
+        </p:style>
+        <p:txBody>
+          <a:bodyPr rtlCol="0" anchor="ctr"/>
+          <a:lstStyle/>
+          <a:p>
+            <a:pPr algn="ctr"/>
+            <a:endParaRPr lang="en-GB">
+              <a:solidFill>
+                <a:schemeClr val="tx1"/>
+              </a:solidFill>
+            </a:endParaRPr>
+          </a:p>
+        </p:txBody>
+      </p:sp>
+      <p:sp>
+        <p:nvSpPr>
+          <p:cNvPr id="37" name="Ellipse 36">
+            <a:extLst>
+              <a:ext uri="{FF2B5EF4-FFF2-40B4-BE49-F238E27FC236}">
+                <a16:creationId xmlns:a16="http://schemas.microsoft.com/office/drawing/2014/main" id="{A26F0374-3FF9-4920-B32F-6C9FA5F8A8A9}"/>
+              </a:ext>
+            </a:extLst>
+          </p:cNvPr>
+          <p:cNvSpPr/>
+          <p:nvPr/>
+        </p:nvSpPr>
+        <p:spPr>
+          <a:xfrm>
+            <a:off x="5284845" y="2456836"/>
+            <a:ext cx="127820" cy="120443"/>
+          </a:xfrm>
+          <a:prstGeom prst="ellipse">
+            <a:avLst/>
+          </a:prstGeom>
+          <a:solidFill>
+            <a:schemeClr val="accent2"/>
+          </a:solidFill>
+          <a:ln>
+            <a:noFill/>
+          </a:ln>
+        </p:spPr>
+        <p:style>
+          <a:lnRef idx="2">
+            <a:schemeClr val="accent1">
+              <a:shade val="50000"/>
+            </a:schemeClr>
+          </a:lnRef>
+          <a:fillRef idx="1">
+            <a:schemeClr val="accent1"/>
+          </a:fillRef>
+          <a:effectRef idx="0">
+            <a:schemeClr val="accent1"/>
+          </a:effectRef>
+          <a:fontRef idx="minor">
+            <a:schemeClr val="lt1"/>
+          </a:fontRef>
+        </p:style>
+        <p:txBody>
+          <a:bodyPr rtlCol="0" anchor="ctr"/>
+          <a:lstStyle/>
+          <a:p>
+            <a:pPr algn="ctr"/>
+            <a:endParaRPr lang="en-GB">
+              <a:solidFill>
+                <a:schemeClr val="tx1"/>
+              </a:solidFill>
+            </a:endParaRPr>
+          </a:p>
+        </p:txBody>
+      </p:sp>
+      <p:sp>
+        <p:nvSpPr>
+          <p:cNvPr id="39" name="Ellipse 38">
+            <a:extLst>
+              <a:ext uri="{FF2B5EF4-FFF2-40B4-BE49-F238E27FC236}">
+                <a16:creationId xmlns:a16="http://schemas.microsoft.com/office/drawing/2014/main" id="{59E96AF8-35C8-438C-865A-1E0B47686B50}"/>
+              </a:ext>
+            </a:extLst>
+          </p:cNvPr>
+          <p:cNvSpPr/>
+          <p:nvPr/>
+        </p:nvSpPr>
+        <p:spPr>
+          <a:xfrm>
+            <a:off x="3328216" y="2456836"/>
+            <a:ext cx="127820" cy="120443"/>
+          </a:xfrm>
+          <a:prstGeom prst="ellipse">
+            <a:avLst/>
+          </a:prstGeom>
+          <a:solidFill>
+            <a:schemeClr val="accent1">
+              <a:lumMod val="75000"/>
+            </a:schemeClr>
+          </a:solidFill>
+          <a:ln>
+            <a:noFill/>
+          </a:ln>
+        </p:spPr>
+        <p:style>
+          <a:lnRef idx="2">
+            <a:schemeClr val="accent1">
+              <a:shade val="50000"/>
+            </a:schemeClr>
+          </a:lnRef>
+          <a:fillRef idx="1">
+            <a:schemeClr val="accent1"/>
+          </a:fillRef>
+          <a:effectRef idx="0">
+            <a:schemeClr val="accent1"/>
+          </a:effectRef>
+          <a:fontRef idx="minor">
+            <a:schemeClr val="lt1"/>
+          </a:fontRef>
+        </p:style>
+        <p:txBody>
+          <a:bodyPr rtlCol="0" anchor="ctr"/>
+          <a:lstStyle/>
+          <a:p>
+            <a:pPr algn="ctr"/>
+            <a:endParaRPr lang="en-GB">
+              <a:solidFill>
+                <a:schemeClr val="tx1"/>
+              </a:solidFill>
+            </a:endParaRPr>
+          </a:p>
+        </p:txBody>
+      </p:sp>
+      <p:sp>
+        <p:nvSpPr>
+          <p:cNvPr id="40" name="Ellipse 39">
+            <a:extLst>
+              <a:ext uri="{FF2B5EF4-FFF2-40B4-BE49-F238E27FC236}">
+                <a16:creationId xmlns:a16="http://schemas.microsoft.com/office/drawing/2014/main" id="{680E1BEB-2238-4BCC-9D21-340E70E06B7B}"/>
+              </a:ext>
+            </a:extLst>
+          </p:cNvPr>
+          <p:cNvSpPr/>
+          <p:nvPr/>
+        </p:nvSpPr>
+        <p:spPr>
+          <a:xfrm>
+            <a:off x="3667427" y="2456836"/>
+            <a:ext cx="127820" cy="120443"/>
+          </a:xfrm>
+          <a:prstGeom prst="ellipse">
+            <a:avLst/>
+          </a:prstGeom>
+          <a:solidFill>
+            <a:schemeClr val="accent1">
+              <a:lumMod val="75000"/>
+            </a:schemeClr>
+          </a:solidFill>
+          <a:ln>
+            <a:noFill/>
+          </a:ln>
+        </p:spPr>
+        <p:style>
+          <a:lnRef idx="2">
+            <a:schemeClr val="accent1">
+              <a:shade val="50000"/>
+            </a:schemeClr>
+          </a:lnRef>
+          <a:fillRef idx="1">
+            <a:schemeClr val="accent1"/>
+          </a:fillRef>
+          <a:effectRef idx="0">
+            <a:schemeClr val="accent1"/>
+          </a:effectRef>
+          <a:fontRef idx="minor">
+            <a:schemeClr val="lt1"/>
+          </a:fontRef>
+        </p:style>
+        <p:txBody>
+          <a:bodyPr rtlCol="0" anchor="ctr"/>
+          <a:lstStyle/>
+          <a:p>
+            <a:pPr algn="ctr"/>
+            <a:endParaRPr lang="en-GB">
+              <a:solidFill>
+                <a:schemeClr val="tx1"/>
+              </a:solidFill>
+            </a:endParaRPr>
+          </a:p>
+        </p:txBody>
+      </p:sp>
+      <p:sp>
+        <p:nvSpPr>
+          <p:cNvPr id="41" name="Ellipse 40">
+            <a:extLst>
+              <a:ext uri="{FF2B5EF4-FFF2-40B4-BE49-F238E27FC236}">
+                <a16:creationId xmlns:a16="http://schemas.microsoft.com/office/drawing/2014/main" id="{235BB49B-D59B-4360-8495-1DCF7283FA53}"/>
+              </a:ext>
+            </a:extLst>
+          </p:cNvPr>
+          <p:cNvSpPr/>
+          <p:nvPr/>
+        </p:nvSpPr>
+        <p:spPr>
+          <a:xfrm>
+            <a:off x="4134515" y="2456834"/>
+            <a:ext cx="127820" cy="120443"/>
+          </a:xfrm>
+          <a:prstGeom prst="ellipse">
+            <a:avLst/>
+          </a:prstGeom>
+          <a:solidFill>
+            <a:schemeClr val="accent2"/>
+          </a:solidFill>
+          <a:ln>
+            <a:noFill/>
+          </a:ln>
+        </p:spPr>
+        <p:style>
+          <a:lnRef idx="2">
+            <a:schemeClr val="accent1">
+              <a:shade val="50000"/>
+            </a:schemeClr>
+          </a:lnRef>
+          <a:fillRef idx="1">
+            <a:schemeClr val="accent1"/>
+          </a:fillRef>
+          <a:effectRef idx="0">
+            <a:schemeClr val="accent1"/>
+          </a:effectRef>
+          <a:fontRef idx="minor">
+            <a:schemeClr val="lt1"/>
+          </a:fontRef>
+        </p:style>
+        <p:txBody>
+          <a:bodyPr rtlCol="0" anchor="ctr"/>
+          <a:lstStyle/>
+          <a:p>
+            <a:pPr algn="ctr"/>
+            <a:endParaRPr lang="en-GB">
+              <a:solidFill>
+                <a:schemeClr val="tx1"/>
+              </a:solidFill>
+            </a:endParaRPr>
+          </a:p>
+        </p:txBody>
+      </p:sp>
+      <p:sp>
+        <p:nvSpPr>
+          <p:cNvPr id="42" name="Ellipse 41">
+            <a:extLst>
+              <a:ext uri="{FF2B5EF4-FFF2-40B4-BE49-F238E27FC236}">
+                <a16:creationId xmlns:a16="http://schemas.microsoft.com/office/drawing/2014/main" id="{766A513F-F0B6-49E2-8B75-168C1C03CD78}"/>
+              </a:ext>
+            </a:extLst>
+          </p:cNvPr>
+          <p:cNvSpPr/>
+          <p:nvPr/>
+        </p:nvSpPr>
+        <p:spPr>
+          <a:xfrm>
+            <a:off x="2698954" y="2456836"/>
+            <a:ext cx="127820" cy="120443"/>
+          </a:xfrm>
+          <a:prstGeom prst="ellipse">
+            <a:avLst/>
+          </a:prstGeom>
+          <a:solidFill>
+            <a:schemeClr val="accent1">
+              <a:lumMod val="75000"/>
+            </a:schemeClr>
+          </a:solidFill>
+          <a:ln>
+            <a:noFill/>
+          </a:ln>
+        </p:spPr>
+        <p:style>
+          <a:lnRef idx="2">
+            <a:schemeClr val="accent1">
+              <a:shade val="50000"/>
+            </a:schemeClr>
+          </a:lnRef>
+          <a:fillRef idx="1">
+            <a:schemeClr val="accent1"/>
+          </a:fillRef>
+          <a:effectRef idx="0">
+            <a:schemeClr val="accent1"/>
+          </a:effectRef>
+          <a:fontRef idx="minor">
+            <a:schemeClr val="lt1"/>
+          </a:fontRef>
+        </p:style>
+        <p:txBody>
+          <a:bodyPr rtlCol="0" anchor="ctr"/>
+          <a:lstStyle/>
+          <a:p>
+            <a:pPr algn="ctr"/>
+            <a:endParaRPr lang="en-GB">
+              <a:solidFill>
+                <a:schemeClr val="tx1"/>
+              </a:solidFill>
+            </a:endParaRPr>
+          </a:p>
+        </p:txBody>
+      </p:sp>
+      <p:sp>
+        <p:nvSpPr>
+          <p:cNvPr id="43" name="Ellipse 42">
+            <a:extLst>
+              <a:ext uri="{FF2B5EF4-FFF2-40B4-BE49-F238E27FC236}">
+                <a16:creationId xmlns:a16="http://schemas.microsoft.com/office/drawing/2014/main" id="{6131DD93-B369-4E24-8608-265974DCEF9B}"/>
+              </a:ext>
+            </a:extLst>
+          </p:cNvPr>
+          <p:cNvSpPr/>
+          <p:nvPr/>
+        </p:nvSpPr>
+        <p:spPr>
+          <a:xfrm>
+            <a:off x="4640827" y="2456836"/>
+            <a:ext cx="127820" cy="120443"/>
+          </a:xfrm>
+          <a:prstGeom prst="ellipse">
+            <a:avLst/>
+          </a:prstGeom>
+          <a:solidFill>
+            <a:schemeClr val="accent2"/>
+          </a:solidFill>
+          <a:ln>
+            <a:noFill/>
+          </a:ln>
+        </p:spPr>
+        <p:style>
+          <a:lnRef idx="2">
+            <a:schemeClr val="accent1">
+              <a:shade val="50000"/>
+            </a:schemeClr>
+          </a:lnRef>
+          <a:fillRef idx="1">
+            <a:schemeClr val="accent1"/>
+          </a:fillRef>
+          <a:effectRef idx="0">
+            <a:schemeClr val="accent1"/>
+          </a:effectRef>
+          <a:fontRef idx="minor">
+            <a:schemeClr val="lt1"/>
+          </a:fontRef>
+        </p:style>
+        <p:txBody>
+          <a:bodyPr rtlCol="0" anchor="ctr"/>
+          <a:lstStyle/>
+          <a:p>
+            <a:pPr algn="ctr"/>
+            <a:endParaRPr lang="en-GB">
+              <a:solidFill>
+                <a:schemeClr val="tx1"/>
+              </a:solidFill>
+            </a:endParaRPr>
+          </a:p>
+        </p:txBody>
+      </p:sp>
+      <p:sp>
+        <p:nvSpPr>
+          <p:cNvPr id="44" name="Ellipse 43">
+            <a:extLst>
+              <a:ext uri="{FF2B5EF4-FFF2-40B4-BE49-F238E27FC236}">
+                <a16:creationId xmlns:a16="http://schemas.microsoft.com/office/drawing/2014/main" id="{CD9371BC-2C62-48CD-A426-F7902B6EA1F2}"/>
+              </a:ext>
+            </a:extLst>
+          </p:cNvPr>
+          <p:cNvSpPr/>
+          <p:nvPr/>
+        </p:nvSpPr>
+        <p:spPr>
+          <a:xfrm>
+            <a:off x="3003754" y="2456836"/>
+            <a:ext cx="127820" cy="120443"/>
+          </a:xfrm>
+          <a:prstGeom prst="ellipse">
+            <a:avLst/>
+          </a:prstGeom>
+          <a:solidFill>
+            <a:schemeClr val="accent1">
+              <a:lumMod val="75000"/>
+            </a:schemeClr>
+          </a:solidFill>
+          <a:ln>
+            <a:noFill/>
+          </a:ln>
+        </p:spPr>
+        <p:style>
+          <a:lnRef idx="2">
+            <a:schemeClr val="accent1">
+              <a:shade val="50000"/>
+            </a:schemeClr>
+          </a:lnRef>
+          <a:fillRef idx="1">
+            <a:schemeClr val="accent1"/>
+          </a:fillRef>
+          <a:effectRef idx="0">
+            <a:schemeClr val="accent1"/>
+          </a:effectRef>
+          <a:fontRef idx="minor">
+            <a:schemeClr val="lt1"/>
+          </a:fontRef>
+        </p:style>
+        <p:txBody>
+          <a:bodyPr rtlCol="0" anchor="ctr"/>
+          <a:lstStyle/>
+          <a:p>
+            <a:pPr algn="ctr"/>
+            <a:endParaRPr lang="en-GB">
+              <a:solidFill>
+                <a:schemeClr val="tx1"/>
+              </a:solidFill>
+            </a:endParaRPr>
+          </a:p>
+        </p:txBody>
+      </p:sp>
+      <p:cxnSp>
+        <p:nvCxnSpPr>
+          <p:cNvPr id="11" name="Gerader Verbinder 10">
+            <a:extLst>
+              <a:ext uri="{FF2B5EF4-FFF2-40B4-BE49-F238E27FC236}">
+                <a16:creationId xmlns:a16="http://schemas.microsoft.com/office/drawing/2014/main" id="{6439E5F1-680A-432F-82B9-E8342B50D1FA}"/>
+              </a:ext>
+            </a:extLst>
+          </p:cNvPr>
+          <p:cNvCxnSpPr/>
+          <p:nvPr/>
+        </p:nvCxnSpPr>
+        <p:spPr>
+          <a:xfrm>
+            <a:off x="1179871" y="2456834"/>
+            <a:ext cx="0" cy="120443"/>
+          </a:xfrm>
+          <a:prstGeom prst="line">
+            <a:avLst/>
+          </a:prstGeom>
+        </p:spPr>
+        <p:style>
+          <a:lnRef idx="1">
+            <a:schemeClr val="accent1"/>
+          </a:lnRef>
+          <a:fillRef idx="0">
+            <a:schemeClr val="accent1"/>
+          </a:fillRef>
+          <a:effectRef idx="0">
+            <a:schemeClr val="accent1"/>
+          </a:effectRef>
+          <a:fontRef idx="minor">
+            <a:schemeClr val="tx1"/>
+          </a:fontRef>
+        </p:style>
+      </p:cxnSp>
+      <p:sp>
+        <p:nvSpPr>
+          <p:cNvPr id="12" name="Textfeld 11">
+            <a:extLst>
+              <a:ext uri="{FF2B5EF4-FFF2-40B4-BE49-F238E27FC236}">
+                <a16:creationId xmlns:a16="http://schemas.microsoft.com/office/drawing/2014/main" id="{3B190D62-036A-4362-9DBA-AD634DA1C264}"/>
+              </a:ext>
+            </a:extLst>
+          </p:cNvPr>
+          <p:cNvSpPr txBox="1"/>
+          <p:nvPr/>
+        </p:nvSpPr>
+        <p:spPr>
+          <a:xfrm>
+            <a:off x="1042977" y="2577277"/>
+            <a:ext cx="269626" cy="276999"/>
+          </a:xfrm>
+          <a:prstGeom prst="rect">
+            <a:avLst/>
+          </a:prstGeom>
+          <a:noFill/>
+        </p:spPr>
+        <p:txBody>
+          <a:bodyPr wrap="none" rtlCol="0">
+            <a:spAutoFit/>
+          </a:bodyPr>
+          <a:lstStyle/>
+          <a:p>
+            <a:r>
+              <a:rPr lang="de-DE" sz="1200" dirty="0">
+                <a:solidFill>
+                  <a:schemeClr val="tx1">
+                    <a:lumMod val="65000"/>
+                    <a:lumOff val="35000"/>
+                  </a:schemeClr>
+                </a:solidFill>
+              </a:rPr>
+              <a:t>0</a:t>
+            </a:r>
+            <a:endParaRPr lang="en-GB" sz="1200" dirty="0">
+              <a:solidFill>
+                <a:schemeClr val="tx1">
+                  <a:lumMod val="65000"/>
+                  <a:lumOff val="35000"/>
+                </a:schemeClr>
+              </a:solidFill>
+            </a:endParaRPr>
+          </a:p>
+        </p:txBody>
+      </p:sp>
+    </p:spTree>
+    <p:extLst>
+      <p:ext uri="{BB962C8B-B14F-4D97-AF65-F5344CB8AC3E}">
+        <p14:creationId xmlns:p14="http://schemas.microsoft.com/office/powerpoint/2010/main" val="756951051"/>
       </p:ext>
     </p:extLst>
   </p:cSld>
